--- a/tut/sf-scs.pptx
+++ b/tut/sf-scs.pptx
@@ -3083,12 +3083,8 @@
           <a:lstStyle/>
           <a:p>
             <a:r>
-              <a:rPr lang="en-US" sz="1600" b="1" dirty="0" smtClean="0"/>
-              <a:t>SPRING CLOUD </a:t>
-            </a:r>
-            <a:r>
               <a:rPr lang="en-US" sz="1600" b="1" u="sng" dirty="0" smtClean="0"/>
-              <a:t>STREAM</a:t>
+              <a:t>SPRING CLOUD STREAM</a:t>
             </a:r>
             <a:endParaRPr lang="en-US" sz="1600" b="1" u="sng" dirty="0"/>
           </a:p>
@@ -3111,7 +3107,7 @@
         </p:blipFill>
         <p:spPr bwMode="auto">
           <a:xfrm>
-            <a:off x="4876800" y="438150"/>
+            <a:off x="6400800" y="742950"/>
             <a:ext cx="1752600" cy="855610"/>
           </a:xfrm>
           <a:prstGeom prst="rect">
@@ -3144,7 +3140,7 @@
         </p:blipFill>
         <p:spPr bwMode="auto">
           <a:xfrm>
-            <a:off x="4572000" y="1504950"/>
+            <a:off x="4572000" y="1885950"/>
             <a:ext cx="4068781" cy="2257973"/>
           </a:xfrm>
           <a:prstGeom prst="rect">
@@ -3193,6 +3189,124 @@
           <a:effectLst/>
         </p:spPr>
       </p:pic>
+      <p:sp>
+        <p:nvSpPr>
+          <p:cNvPr id="7" name="Rectangle 6"/>
+          <p:cNvSpPr/>
+          <p:nvPr/>
+        </p:nvSpPr>
+        <p:spPr>
+          <a:xfrm>
+            <a:off x="6172200" y="438150"/>
+            <a:ext cx="809132" cy="307777"/>
+          </a:xfrm>
+          <a:prstGeom prst="rect">
+            <a:avLst/>
+          </a:prstGeom>
+          <a:noFill/>
+          <a:ln w="12700">
+            <a:solidFill>
+              <a:srgbClr val="7030A0"/>
+            </a:solidFill>
+          </a:ln>
+        </p:spPr>
+        <p:txBody>
+          <a:bodyPr wrap="none" lIns="91440" tIns="45720" rIns="91440" bIns="45720">
+            <a:spAutoFit/>
+          </a:bodyPr>
+          <a:lstStyle/>
+          <a:p>
+            <a:pPr algn="ctr"/>
+            <a:r>
+              <a:rPr lang="en-US" sz="1400" b="1" cap="all" spc="0" dirty="0" smtClean="0">
+                <a:ln w="9000" cmpd="sng">
+                  <a:solidFill>
+                    <a:schemeClr val="accent4">
+                      <a:shade val="50000"/>
+                      <a:satMod val="120000"/>
+                    </a:schemeClr>
+                  </a:solidFill>
+                  <a:prstDash val="solid"/>
+                </a:ln>
+                <a:gradFill>
+                  <a:gsLst>
+                    <a:gs pos="0">
+                      <a:schemeClr val="accent4">
+                        <a:shade val="20000"/>
+                        <a:satMod val="245000"/>
+                      </a:schemeClr>
+                    </a:gs>
+                    <a:gs pos="43000">
+                      <a:schemeClr val="accent4">
+                        <a:satMod val="255000"/>
+                      </a:schemeClr>
+                    </a:gs>
+                    <a:gs pos="48000">
+                      <a:schemeClr val="accent4">
+                        <a:shade val="85000"/>
+                        <a:satMod val="255000"/>
+                      </a:schemeClr>
+                    </a:gs>
+                    <a:gs pos="100000">
+                      <a:schemeClr val="accent4">
+                        <a:shade val="20000"/>
+                        <a:satMod val="245000"/>
+                      </a:schemeClr>
+                    </a:gs>
+                  </a:gsLst>
+                  <a:lin ang="5400000"/>
+                </a:gradFill>
+                <a:effectLst>
+                  <a:reflection blurRad="12700" stA="28000" endPos="45000" dist="1000" dir="5400000" sy="-100000" algn="bl" rotWithShape="0"/>
+                </a:effectLst>
+              </a:rPr>
+              <a:t>STREAM</a:t>
+            </a:r>
+            <a:endParaRPr lang="en-US" sz="1400" b="1" cap="all" spc="0" dirty="0">
+              <a:ln w="9000" cmpd="sng">
+                <a:solidFill>
+                  <a:schemeClr val="accent4">
+                    <a:shade val="50000"/>
+                    <a:satMod val="120000"/>
+                  </a:schemeClr>
+                </a:solidFill>
+                <a:prstDash val="solid"/>
+              </a:ln>
+              <a:gradFill>
+                <a:gsLst>
+                  <a:gs pos="0">
+                    <a:schemeClr val="accent4">
+                      <a:shade val="20000"/>
+                      <a:satMod val="245000"/>
+                    </a:schemeClr>
+                  </a:gs>
+                  <a:gs pos="43000">
+                    <a:schemeClr val="accent4">
+                      <a:satMod val="255000"/>
+                    </a:schemeClr>
+                  </a:gs>
+                  <a:gs pos="48000">
+                    <a:schemeClr val="accent4">
+                      <a:shade val="85000"/>
+                      <a:satMod val="255000"/>
+                    </a:schemeClr>
+                  </a:gs>
+                  <a:gs pos="100000">
+                    <a:schemeClr val="accent4">
+                      <a:shade val="20000"/>
+                      <a:satMod val="245000"/>
+                    </a:schemeClr>
+                  </a:gs>
+                </a:gsLst>
+                <a:lin ang="5400000"/>
+              </a:gradFill>
+              <a:effectLst>
+                <a:reflection blurRad="12700" stA="28000" endPos="45000" dist="1000" dir="5400000" sy="-100000" algn="bl" rotWithShape="0"/>
+              </a:effectLst>
+            </a:endParaRPr>
+          </a:p>
+        </p:txBody>
+      </p:sp>
     </p:spTree>
   </p:cSld>
   <p:clrMapOvr>
@@ -3248,10 +3362,10 @@
           <a:lstStyle/>
           <a:p>
             <a:r>
-              <a:rPr lang="en-US" sz="1600" b="1" dirty="0" smtClean="0"/>
+              <a:rPr lang="en-US" sz="1600" b="1" u="sng" dirty="0" smtClean="0"/>
               <a:t>SPRING CLOUD STREAM</a:t>
             </a:r>
-            <a:endParaRPr lang="en-US" sz="1600" b="1" dirty="0"/>
+            <a:endParaRPr lang="en-US" sz="1600" b="1" u="sng" dirty="0"/>
           </a:p>
         </p:txBody>
       </p:sp>
